--- a/Unit Two.pptx
+++ b/Unit Two.pptx
@@ -221,7 +221,7 @@
           <a:p>
             <a:fld id="{416375BE-C004-4A04-BDA8-C1CCAC3CCBD2}" type="datetimeFigureOut">
               <a:rPr lang="en-US" smtClean="0"/>
-              <a:t>3/20/2024</a:t>
+              <a:t>3/27/2024</a:t>
             </a:fld>
             <a:endParaRPr lang="en-US"/>
           </a:p>
@@ -1351,7 +1351,7 @@
           <a:p>
             <a:fld id="{4C07FB20-EF35-48F0-9210-46831156054A}" type="datetime1">
               <a:rPr lang="en-US" smtClean="0"/>
-              <a:t>3/20/2024</a:t>
+              <a:t>3/27/2024</a:t>
             </a:fld>
             <a:endParaRPr lang="en-US"/>
           </a:p>
@@ -1549,7 +1549,7 @@
           <a:p>
             <a:fld id="{7090567C-7AF1-4601-AB67-052ED2F7781C}" type="datetime1">
               <a:rPr lang="en-US" smtClean="0"/>
-              <a:t>3/20/2024</a:t>
+              <a:t>3/27/2024</a:t>
             </a:fld>
             <a:endParaRPr lang="en-US"/>
           </a:p>
@@ -1824,7 +1824,7 @@
           <a:p>
             <a:fld id="{9B40FE4D-B721-436B-A1C5-35331880524F}" type="datetime1">
               <a:rPr lang="en-US" smtClean="0"/>
-              <a:t>3/20/2024</a:t>
+              <a:t>3/27/2024</a:t>
             </a:fld>
             <a:endParaRPr lang="en-US"/>
           </a:p>
@@ -2089,7 +2089,7 @@
           <a:p>
             <a:fld id="{94D8F4C5-2763-4937-A3E7-5E3AE703D034}" type="datetime1">
               <a:rPr lang="en-US" smtClean="0"/>
-              <a:t>3/20/2024</a:t>
+              <a:t>3/27/2024</a:t>
             </a:fld>
             <a:endParaRPr lang="en-US"/>
           </a:p>
@@ -2501,7 +2501,7 @@
           <a:p>
             <a:fld id="{2EBB56AF-8CBA-4D0D-84B2-438BA01DA2F9}" type="datetime1">
               <a:rPr lang="en-US" smtClean="0"/>
-              <a:t>3/20/2024</a:t>
+              <a:t>3/27/2024</a:t>
             </a:fld>
             <a:endParaRPr lang="en-US"/>
           </a:p>
@@ -2642,7 +2642,7 @@
           <a:p>
             <a:fld id="{9FFFAE4C-DEBC-415F-B7B5-9D704010C6D2}" type="datetime1">
               <a:rPr lang="en-US" smtClean="0"/>
-              <a:t>3/20/2024</a:t>
+              <a:t>3/27/2024</a:t>
             </a:fld>
             <a:endParaRPr lang="en-US"/>
           </a:p>
@@ -2755,7 +2755,7 @@
           <a:p>
             <a:fld id="{4C562D31-F963-47E4-9B40-6FD87A841A01}" type="datetime1">
               <a:rPr lang="en-US" smtClean="0"/>
-              <a:t>3/20/2024</a:t>
+              <a:t>3/27/2024</a:t>
             </a:fld>
             <a:endParaRPr lang="en-US"/>
           </a:p>
@@ -3066,7 +3066,7 @@
           <a:p>
             <a:fld id="{A3113EE3-91F4-464A-9B3C-688E8678C0C3}" type="datetime1">
               <a:rPr lang="en-US" smtClean="0"/>
-              <a:t>3/20/2024</a:t>
+              <a:t>3/27/2024</a:t>
             </a:fld>
             <a:endParaRPr lang="en-US"/>
           </a:p>
@@ -3554,7 +3554,7 @@
           <a:p>
             <a:fld id="{9FA13420-3CC1-46EE-AD9B-7DF2B34DE581}" type="datetime1">
               <a:rPr lang="en-US" smtClean="0"/>
-              <a:t>3/20/2024</a:t>
+              <a:t>3/27/2024</a:t>
             </a:fld>
             <a:endParaRPr lang="en-US"/>
           </a:p>
@@ -3752,7 +3752,7 @@
           <a:p>
             <a:fld id="{31CBE06A-48FF-4CFD-9A4B-C56B9031C463}" type="datetime1">
               <a:rPr lang="en-US" smtClean="0"/>
-              <a:t>3/20/2024</a:t>
+              <a:t>3/27/2024</a:t>
             </a:fld>
             <a:endParaRPr lang="en-US"/>
           </a:p>
@@ -3960,7 +3960,7 @@
           <a:p>
             <a:fld id="{AC552D51-6210-46BC-BA2C-6DE1B41F4F0B}" type="datetime1">
               <a:rPr lang="en-US" smtClean="0"/>
-              <a:t>3/20/2024</a:t>
+              <a:t>3/27/2024</a:t>
             </a:fld>
             <a:endParaRPr lang="en-US"/>
           </a:p>
@@ -6591,7 +6591,7 @@
           <a:p>
             <a:fld id="{28BC34DA-6A3C-4F23-836B-846F35D5A7FA}" type="datetime1">
               <a:rPr lang="en-US" smtClean="0"/>
-              <a:t>3/20/2024</a:t>
+              <a:t>3/27/2024</a:t>
             </a:fld>
             <a:endParaRPr lang="en-US"/>
           </a:p>
@@ -8692,7 +8692,7 @@
                 <a:latin typeface="Times New Roman" panose="02020603050405020304" pitchFamily="18" charset="0"/>
                 <a:cs typeface="Times New Roman" panose="02020603050405020304" pitchFamily="18" charset="0"/>
               </a:rPr>
-              <a:t>The client does not have resources for each resource they need to request the server because of all resources exit on server.</a:t>
+              <a:t>The client does not have resources for each resource they need to request the server because of all resources exist on server.</a:t>
             </a:r>
           </a:p>
         </p:txBody>
@@ -8892,21 +8892,7 @@
                 <a:latin typeface="Times New Roman" panose="02020603050405020304" pitchFamily="18" charset="0"/>
                 <a:cs typeface="Times New Roman" panose="02020603050405020304" pitchFamily="18" charset="0"/>
               </a:rPr>
-              <a:t>There are </a:t>
-            </a:r>
-            <a:r>
-              <a:rPr lang="en-US" sz="2200">
-                <a:latin typeface="Times New Roman" panose="02020603050405020304" pitchFamily="18" charset="0"/>
-                <a:cs typeface="Times New Roman" panose="02020603050405020304" pitchFamily="18" charset="0"/>
-              </a:rPr>
-              <a:t>basically three-types </a:t>
-            </a:r>
-            <a:r>
-              <a:rPr lang="en-US" sz="2200" dirty="0">
-                <a:latin typeface="Times New Roman" panose="02020603050405020304" pitchFamily="18" charset="0"/>
-                <a:cs typeface="Times New Roman" panose="02020603050405020304" pitchFamily="18" charset="0"/>
-              </a:rPr>
-              <a:t>of client/server architectures:</a:t>
+              <a:t>There are basically three-types of client/server architectures:</a:t>
             </a:r>
           </a:p>
           <a:p>
@@ -9901,7 +9887,21 @@
                 <a:latin typeface="Times New Roman" panose="02020603050405020304" pitchFamily="18" charset="0"/>
                 <a:cs typeface="Times New Roman" panose="02020603050405020304" pitchFamily="18" charset="0"/>
               </a:rPr>
-              <a:t>From a customer’s point of view, the application should be simple, aesthetically pleasing, and address most of their problems. </a:t>
+              <a:t>From a </a:t>
+            </a:r>
+            <a:r>
+              <a:rPr lang="en-US" sz="2200" b="1" dirty="0">
+                <a:latin typeface="Times New Roman" panose="02020603050405020304" pitchFamily="18" charset="0"/>
+                <a:cs typeface="Times New Roman" panose="02020603050405020304" pitchFamily="18" charset="0"/>
+              </a:rPr>
+              <a:t>customer’s point of view, </a:t>
+            </a:r>
+            <a:r>
+              <a:rPr lang="en-US" sz="2200" dirty="0">
+                <a:latin typeface="Times New Roman" panose="02020603050405020304" pitchFamily="18" charset="0"/>
+                <a:cs typeface="Times New Roman" panose="02020603050405020304" pitchFamily="18" charset="0"/>
+              </a:rPr>
+              <a:t>the application should be simple, aesthetically pleasing, and address most of their problems. </a:t>
             </a:r>
           </a:p>
           <a:p>
@@ -9911,7 +9911,21 @@
                 <a:latin typeface="Times New Roman" panose="02020603050405020304" pitchFamily="18" charset="0"/>
                 <a:cs typeface="Times New Roman" panose="02020603050405020304" pitchFamily="18" charset="0"/>
               </a:rPr>
-              <a:t>From the business aspect, a web application should stay aligned with its product/market fit. </a:t>
+              <a:t>From the </a:t>
+            </a:r>
+            <a:r>
+              <a:rPr lang="en-US" sz="2200" b="1" dirty="0">
+                <a:latin typeface="Times New Roman" panose="02020603050405020304" pitchFamily="18" charset="0"/>
+                <a:cs typeface="Times New Roman" panose="02020603050405020304" pitchFamily="18" charset="0"/>
+              </a:rPr>
+              <a:t>business aspect, </a:t>
+            </a:r>
+            <a:r>
+              <a:rPr lang="en-US" sz="2200" dirty="0">
+                <a:latin typeface="Times New Roman" panose="02020603050405020304" pitchFamily="18" charset="0"/>
+                <a:cs typeface="Times New Roman" panose="02020603050405020304" pitchFamily="18" charset="0"/>
+              </a:rPr>
+              <a:t>a web application should stay aligned with its product/market fit. </a:t>
             </a:r>
           </a:p>
           <a:p>
@@ -9921,7 +9935,21 @@
                 <a:latin typeface="Times New Roman" panose="02020603050405020304" pitchFamily="18" charset="0"/>
                 <a:cs typeface="Times New Roman" panose="02020603050405020304" pitchFamily="18" charset="0"/>
               </a:rPr>
-              <a:t>From a software engineer’s perspective, a web application should be scalable, functional, and able to withstand high traffic loads.</a:t>
+              <a:t>From a </a:t>
+            </a:r>
+            <a:r>
+              <a:rPr lang="en-US" sz="2200" b="1" dirty="0">
+                <a:latin typeface="Times New Roman" panose="02020603050405020304" pitchFamily="18" charset="0"/>
+                <a:cs typeface="Times New Roman" panose="02020603050405020304" pitchFamily="18" charset="0"/>
+              </a:rPr>
+              <a:t>software engineer’s perspective, </a:t>
+            </a:r>
+            <a:r>
+              <a:rPr lang="en-US" sz="2200" dirty="0">
+                <a:latin typeface="Times New Roman" panose="02020603050405020304" pitchFamily="18" charset="0"/>
+                <a:cs typeface="Times New Roman" panose="02020603050405020304" pitchFamily="18" charset="0"/>
+              </a:rPr>
+              <a:t>a web application should be scalable, functional, and able to withstand high traffic loads.</a:t>
             </a:r>
           </a:p>
           <a:p>
@@ -10124,7 +10152,21 @@
                 <a:latin typeface="Times New Roman" panose="02020603050405020304" pitchFamily="18" charset="0"/>
                 <a:cs typeface="Times New Roman" panose="02020603050405020304" pitchFamily="18" charset="0"/>
               </a:rPr>
-              <a:t>The N-Tier architecture is an extension of the 3-tier architecture that allows developers to further separate the different components or concerns of an application into distinct, interconnected layers. </a:t>
+              <a:t>The </a:t>
+            </a:r>
+            <a:r>
+              <a:rPr lang="en-US" sz="2200" b="1" dirty="0">
+                <a:latin typeface="Times New Roman" panose="02020603050405020304" pitchFamily="18" charset="0"/>
+                <a:cs typeface="Times New Roman" panose="02020603050405020304" pitchFamily="18" charset="0"/>
+              </a:rPr>
+              <a:t>N-Tier architecture </a:t>
+            </a:r>
+            <a:r>
+              <a:rPr lang="en-US" sz="2200" dirty="0">
+                <a:latin typeface="Times New Roman" panose="02020603050405020304" pitchFamily="18" charset="0"/>
+                <a:cs typeface="Times New Roman" panose="02020603050405020304" pitchFamily="18" charset="0"/>
+              </a:rPr>
+              <a:t>is an extension of the 3-tier architecture that allows developers to further separate the different components or concerns of an application into distinct, interconnected layers. </a:t>
             </a:r>
           </a:p>
           <a:p>
@@ -10174,7 +10216,14 @@
                 <a:latin typeface="Times New Roman" panose="02020603050405020304" pitchFamily="18" charset="0"/>
                 <a:cs typeface="Times New Roman" panose="02020603050405020304" pitchFamily="18" charset="0"/>
               </a:rPr>
-              <a:t>N-Tier architecture is also known as Multi-tier architecture. </a:t>
+              <a:t>N-Tier architecture is also known as </a:t>
+            </a:r>
+            <a:r>
+              <a:rPr lang="en-US" sz="2200" b="1" i="1" dirty="0">
+                <a:latin typeface="Times New Roman" panose="02020603050405020304" pitchFamily="18" charset="0"/>
+                <a:cs typeface="Times New Roman" panose="02020603050405020304" pitchFamily="18" charset="0"/>
+              </a:rPr>
+              <a:t>Multi-tier architecture. </a:t>
             </a:r>
           </a:p>
         </p:txBody>
@@ -11196,8 +11245,8 @@
         </p:nvSpPr>
         <p:spPr>
           <a:xfrm>
-            <a:off x="838200" y="1471612"/>
-            <a:ext cx="10515600" cy="3914775"/>
+            <a:off x="838200" y="1304926"/>
+            <a:ext cx="10515600" cy="4181474"/>
           </a:xfrm>
         </p:spPr>
         <p:txBody>
@@ -11224,7 +11273,17 @@
                 <a:latin typeface="Times New Roman" panose="02020603050405020304" pitchFamily="18" charset="0"/>
                 <a:cs typeface="Times New Roman" panose="02020603050405020304" pitchFamily="18" charset="0"/>
               </a:rPr>
-              <a:t>The basic definition of a web application is a program that runs on a browser. It’s not a website, but the line between the two is fuzzy. To differentiate a web application from a website, remember these three formal characteristics. A web application:</a:t>
+              <a:t>The basic definition of a web application is a program that runs on a browser. It’s not a website, but the line between the two is ambiguous. To differentiate a web application from a website, remember these three formal characteristics. </a:t>
+            </a:r>
+          </a:p>
+          <a:p>
+            <a:pPr algn="just"/>
+            <a:r>
+              <a:rPr lang="en-US" sz="2200" dirty="0">
+                <a:latin typeface="Times New Roman" panose="02020603050405020304" pitchFamily="18" charset="0"/>
+                <a:cs typeface="Times New Roman" panose="02020603050405020304" pitchFamily="18" charset="0"/>
+              </a:rPr>
+              <a:t>A web application:</a:t>
             </a:r>
           </a:p>
           <a:p>
@@ -11472,11 +11531,18 @@
           <a:p>
             <a:pPr algn="just"/>
             <a:r>
+              <a:rPr lang="en-US" sz="2200" b="1" dirty="0">
+                <a:latin typeface="Times New Roman" panose="02020603050405020304" pitchFamily="18" charset="0"/>
+                <a:cs typeface="Times New Roman" panose="02020603050405020304" pitchFamily="18" charset="0"/>
+              </a:rPr>
+              <a:t>Web application architecture </a:t>
+            </a:r>
+            <a:r>
               <a:rPr lang="en-US" sz="2200" dirty="0">
                 <a:latin typeface="Times New Roman" panose="02020603050405020304" pitchFamily="18" charset="0"/>
                 <a:cs typeface="Times New Roman" panose="02020603050405020304" pitchFamily="18" charset="0"/>
               </a:rPr>
-              <a:t>Web application architecture is a mechanism that determines how application components communicate with each other. Or, in other words, the way the client and the server are connected is established by web application architecture.</a:t>
+              <a:t>is a mechanism that determines how application components communicate with each other. Or, in other words, the way the client and the server are connected is established by web application architecture.</a:t>
             </a:r>
           </a:p>
         </p:txBody>
@@ -12109,7 +12175,21 @@
                 <a:latin typeface="Times New Roman" panose="02020603050405020304" pitchFamily="18" charset="0"/>
                 <a:cs typeface="Times New Roman" panose="02020603050405020304" pitchFamily="18" charset="0"/>
               </a:rPr>
-              <a:t>First, you visit amazon.com. You type in the URL and as you hit Enter, your browser prepares to recognize this URL, because it needs to know the address of the server where the page is located. So it sends your request to the Domain Name Center (DNS), a repository of domain names and their IP addresses. If you've already visited Amazon from the same browser, it will pull the address from the cache. Then, a browser sends the request to the found IP address using the HTTPS protocol.</a:t>
+              <a:t>First, </a:t>
+            </a:r>
+            <a:r>
+              <a:rPr lang="en-US" sz="2100" i="1" dirty="0">
+                <a:latin typeface="Times New Roman" panose="02020603050405020304" pitchFamily="18" charset="0"/>
+                <a:cs typeface="Times New Roman" panose="02020603050405020304" pitchFamily="18" charset="0"/>
+              </a:rPr>
+              <a:t>you visit amazon.com. </a:t>
+            </a:r>
+            <a:r>
+              <a:rPr lang="en-US" sz="2100" dirty="0">
+                <a:latin typeface="Times New Roman" panose="02020603050405020304" pitchFamily="18" charset="0"/>
+                <a:cs typeface="Times New Roman" panose="02020603050405020304" pitchFamily="18" charset="0"/>
+              </a:rPr>
+              <a:t>You type in the URL and as you hit Enter, your browser prepares to recognize this URL, because it needs to know the address of the server where the page is located. So it sends your request to the Domain Name Center (DNS), a repository of domain names and their IP addresses. If you've already visited Amazon from the same browser, it will pull the address from the cache. Then, a browser sends the request to the found IP address using the HTTPS protocol.</a:t>
             </a:r>
           </a:p>
           <a:p>
@@ -12122,7 +12202,21 @@
                 <a:latin typeface="Times New Roman" panose="02020603050405020304" pitchFamily="18" charset="0"/>
                 <a:cs typeface="Times New Roman" panose="02020603050405020304" pitchFamily="18" charset="0"/>
               </a:rPr>
-              <a:t>Second, the web server processes the request. The web server where Amazon.com is located catches the request and sends it to the storage area to locate the page and all data that follows with it. But its route is held via Business Logic (also called Domain Logic and Application Logic). BL manages how each piece of data is accessed and determines this workflow specifically for each application. As BL processes the request, it sends it to storage to locate the looked-for data.</a:t>
+              <a:t>Second, the </a:t>
+            </a:r>
+            <a:r>
+              <a:rPr lang="en-US" sz="2100" i="1" dirty="0">
+                <a:latin typeface="Times New Roman" panose="02020603050405020304" pitchFamily="18" charset="0"/>
+                <a:cs typeface="Times New Roman" panose="02020603050405020304" pitchFamily="18" charset="0"/>
+              </a:rPr>
+              <a:t>web server processes the request. </a:t>
+            </a:r>
+            <a:r>
+              <a:rPr lang="en-US" sz="2100" dirty="0">
+                <a:latin typeface="Times New Roman" panose="02020603050405020304" pitchFamily="18" charset="0"/>
+                <a:cs typeface="Times New Roman" panose="02020603050405020304" pitchFamily="18" charset="0"/>
+              </a:rPr>
+              <a:t>The web server where Amazon.com is located catches the request and sends it to the storage area to locate the page and all data that follows with it. But its route is held via Business Logic (also called Domain Logic and Application Logic). BL manages how each piece of data is accessed and determines this workflow specifically for each application. As BL processes the request, it sends it to storage to locate the looked-for data.</a:t>
             </a:r>
           </a:p>
           <a:p>
@@ -12135,7 +12229,21 @@
                 <a:latin typeface="Times New Roman" panose="02020603050405020304" pitchFamily="18" charset="0"/>
                 <a:cs typeface="Times New Roman" panose="02020603050405020304" pitchFamily="18" charset="0"/>
               </a:rPr>
-              <a:t>Third, you receive your data. Your response travels back to you and you see the content of the web page on your display. The graphical interface you see when scrolling Amazon's or any other website is called the front end of an application - it depicts all UX and UI components so that a user can access the information they came looking for.</a:t>
+              <a:t>Third, </a:t>
+            </a:r>
+            <a:r>
+              <a:rPr lang="en-US" sz="2100" i="1" dirty="0">
+                <a:latin typeface="Times New Roman" panose="02020603050405020304" pitchFamily="18" charset="0"/>
+                <a:cs typeface="Times New Roman" panose="02020603050405020304" pitchFamily="18" charset="0"/>
+              </a:rPr>
+              <a:t>you receive your data. </a:t>
+            </a:r>
+            <a:r>
+              <a:rPr lang="en-US" sz="2100" dirty="0">
+                <a:latin typeface="Times New Roman" panose="02020603050405020304" pitchFamily="18" charset="0"/>
+                <a:cs typeface="Times New Roman" panose="02020603050405020304" pitchFamily="18" charset="0"/>
+              </a:rPr>
+              <a:t>Your response travels back to you and you see the content of the web page on your display. The graphical interface you see when scrolling Amazon's or any other website is called the front end of an application - it depicts all UX and UI components so that a user can access the information they came looking for.</a:t>
             </a:r>
           </a:p>
         </p:txBody>
@@ -12324,11 +12432,18 @@
           <a:p>
             <a:pPr algn="just"/>
             <a:r>
+              <a:rPr lang="en-US" sz="2200" b="1" dirty="0">
+                <a:latin typeface="Times New Roman" panose="02020603050405020304" pitchFamily="18" charset="0"/>
+                <a:cs typeface="Times New Roman" panose="02020603050405020304" pitchFamily="18" charset="0"/>
+              </a:rPr>
+              <a:t>Web application architecture </a:t>
+            </a:r>
+            <a:r>
               <a:rPr lang="en-US" sz="2200" dirty="0">
                 <a:latin typeface="Times New Roman" panose="02020603050405020304" pitchFamily="18" charset="0"/>
                 <a:cs typeface="Times New Roman" panose="02020603050405020304" pitchFamily="18" charset="0"/>
               </a:rPr>
-              <a:t>Web application architecture is structured into multiple layers, each with its distinct responsibilities. </a:t>
+              <a:t>is structured into multiple layers, each with its distinct responsibilities. </a:t>
             </a:r>
           </a:p>
           <a:p>
